--- a/etc/Sprint 2 Presentation CrispyCantaloupes.pptx
+++ b/etc/Sprint 2 Presentation CrispyCantaloupes.pptx
@@ -10,27 +10,26 @@
     <p:sldId id="266" r:id="rId4"/>
     <p:sldId id="287" r:id="rId5"/>
     <p:sldId id="258" r:id="rId6"/>
-    <p:sldId id="285" r:id="rId7"/>
-    <p:sldId id="286" r:id="rId8"/>
-    <p:sldId id="267" r:id="rId9"/>
-    <p:sldId id="259" r:id="rId10"/>
-    <p:sldId id="261" r:id="rId11"/>
-    <p:sldId id="268" r:id="rId12"/>
-    <p:sldId id="270" r:id="rId13"/>
-    <p:sldId id="269" r:id="rId14"/>
-    <p:sldId id="271" r:id="rId15"/>
-    <p:sldId id="273" r:id="rId16"/>
-    <p:sldId id="272" r:id="rId17"/>
-    <p:sldId id="276" r:id="rId18"/>
-    <p:sldId id="278" r:id="rId19"/>
-    <p:sldId id="279" r:id="rId20"/>
-    <p:sldId id="277" r:id="rId21"/>
-    <p:sldId id="280" r:id="rId22"/>
-    <p:sldId id="281" r:id="rId23"/>
-    <p:sldId id="282" r:id="rId24"/>
-    <p:sldId id="283" r:id="rId25"/>
-    <p:sldId id="284" r:id="rId26"/>
-    <p:sldId id="262" r:id="rId27"/>
+    <p:sldId id="286" r:id="rId7"/>
+    <p:sldId id="267" r:id="rId8"/>
+    <p:sldId id="259" r:id="rId9"/>
+    <p:sldId id="261" r:id="rId10"/>
+    <p:sldId id="268" r:id="rId11"/>
+    <p:sldId id="270" r:id="rId12"/>
+    <p:sldId id="269" r:id="rId13"/>
+    <p:sldId id="271" r:id="rId14"/>
+    <p:sldId id="273" r:id="rId15"/>
+    <p:sldId id="272" r:id="rId16"/>
+    <p:sldId id="276" r:id="rId17"/>
+    <p:sldId id="278" r:id="rId18"/>
+    <p:sldId id="279" r:id="rId19"/>
+    <p:sldId id="277" r:id="rId20"/>
+    <p:sldId id="280" r:id="rId21"/>
+    <p:sldId id="281" r:id="rId22"/>
+    <p:sldId id="282" r:id="rId23"/>
+    <p:sldId id="283" r:id="rId24"/>
+    <p:sldId id="284" r:id="rId25"/>
+    <p:sldId id="262" r:id="rId26"/>
   </p:sldIdLst>
   <p:sldSz cx="12192000" cy="6858000"/>
   <p:notesSz cx="6858000" cy="9144000"/>
@@ -5978,213 +5977,6 @@
           <a:chExt cx="0" cy="0"/>
         </a:xfrm>
       </p:grpSpPr>
-      <p:sp>
-        <p:nvSpPr>
-          <p:cNvPr id="2" name="Title 1">
-            <a:extLst>
-              <a:ext uri="{FF2B5EF4-FFF2-40B4-BE49-F238E27FC236}">
-                <a16:creationId xmlns:a16="http://schemas.microsoft.com/office/drawing/2014/main" id="{82A24C56-F0E7-4C1F-B9F0-15E3A9A4C7DE}"/>
-              </a:ext>
-            </a:extLst>
-          </p:cNvPr>
-          <p:cNvSpPr>
-            <a:spLocks noGrp="1"/>
-          </p:cNvSpPr>
-          <p:nvPr>
-            <p:ph type="title"/>
-          </p:nvPr>
-        </p:nvSpPr>
-        <p:spPr>
-          <a:xfrm>
-            <a:off x="517358" y="304800"/>
-            <a:ext cx="10515600" cy="1325563"/>
-          </a:xfrm>
-        </p:spPr>
-        <p:txBody>
-          <a:bodyPr/>
-          <a:lstStyle/>
-          <a:p>
-            <a:r>
-              <a:rPr lang="en-US" dirty="0"/>
-              <a:t>Team performance:</a:t>
-            </a:r>
-            <a:br>
-              <a:rPr lang="en-US" dirty="0"/>
-            </a:br>
-            <a:r>
-              <a:rPr lang="en-US" dirty="0"/>
-              <a:t>Norming out the kinks</a:t>
-            </a:r>
-          </a:p>
-        </p:txBody>
-      </p:sp>
-      <p:sp>
-        <p:nvSpPr>
-          <p:cNvPr id="3" name="Content Placeholder 2">
-            <a:extLst>
-              <a:ext uri="{FF2B5EF4-FFF2-40B4-BE49-F238E27FC236}">
-                <a16:creationId xmlns:a16="http://schemas.microsoft.com/office/drawing/2014/main" id="{EABD3B3D-0FF1-49AD-91B7-331134F43619}"/>
-              </a:ext>
-            </a:extLst>
-          </p:cNvPr>
-          <p:cNvSpPr>
-            <a:spLocks noGrp="1"/>
-          </p:cNvSpPr>
-          <p:nvPr>
-            <p:ph idx="1"/>
-          </p:nvPr>
-        </p:nvSpPr>
-        <p:spPr>
-          <a:xfrm>
-            <a:off x="517358" y="1630363"/>
-            <a:ext cx="10515600" cy="4351338"/>
-          </a:xfrm>
-        </p:spPr>
-        <p:txBody>
-          <a:bodyPr/>
-          <a:lstStyle/>
-          <a:p>
-            <a:pPr marL="0" indent="0">
-              <a:buNone/>
-            </a:pPr>
-            <a:r>
-              <a:rPr lang="en-US" dirty="0"/>
-              <a:t>We believe that we have come much</a:t>
-            </a:r>
-          </a:p>
-          <a:p>
-            <a:pPr marL="0" indent="0">
-              <a:buNone/>
-            </a:pPr>
-            <a:r>
-              <a:rPr lang="en-US" dirty="0"/>
-              <a:t>further from where we initially began</a:t>
-            </a:r>
-          </a:p>
-          <a:p>
-            <a:pPr marL="0" indent="0">
-              <a:buNone/>
-            </a:pPr>
-            <a:r>
-              <a:rPr lang="en-US" dirty="0"/>
-              <a:t>and now are able to problem solve </a:t>
-            </a:r>
-          </a:p>
-          <a:p>
-            <a:pPr marL="0" indent="0">
-              <a:buNone/>
-            </a:pPr>
-            <a:r>
-              <a:rPr lang="en-US" dirty="0"/>
-              <a:t>and find a way to complement each other rather </a:t>
-            </a:r>
-          </a:p>
-          <a:p>
-            <a:pPr marL="0" indent="0">
-              <a:buNone/>
-            </a:pPr>
-            <a:r>
-              <a:rPr lang="en-US" dirty="0"/>
-              <a:t>than counteract each other’s decisions.  We have established a smooth road</a:t>
-            </a:r>
-          </a:p>
-          <a:p>
-            <a:pPr marL="0" indent="0">
-              <a:buNone/>
-            </a:pPr>
-            <a:r>
-              <a:rPr lang="en-US" dirty="0"/>
-              <a:t>of understanding and acceptance of the team dynamics and know how</a:t>
-            </a:r>
-          </a:p>
-          <a:p>
-            <a:pPr marL="0" indent="0">
-              <a:buNone/>
-            </a:pPr>
-            <a:r>
-              <a:rPr lang="en-US" dirty="0"/>
-              <a:t>to work around the kinks.</a:t>
-            </a:r>
-          </a:p>
-        </p:txBody>
-      </p:sp>
-      <p:pic>
-        <p:nvPicPr>
-          <p:cNvPr id="1026" name="Picture 2" descr="2017-05-23_Form-Storm-Norm-Perform_04_norming_r01.png">
-            <a:extLst>
-              <a:ext uri="{FF2B5EF4-FFF2-40B4-BE49-F238E27FC236}">
-                <a16:creationId xmlns:a16="http://schemas.microsoft.com/office/drawing/2014/main" id="{474F9B43-D310-4B32-8FCE-FE26D42AB402}"/>
-              </a:ext>
-            </a:extLst>
-          </p:cNvPr>
-          <p:cNvPicPr>
-            <a:picLocks noChangeAspect="1" noChangeArrowheads="1"/>
-          </p:cNvPicPr>
-          <p:nvPr/>
-        </p:nvPicPr>
-        <p:blipFill>
-          <a:blip r:embed="rId2">
-            <a:extLst>
-              <a:ext uri="{28A0092B-C50C-407E-A947-70E740481C1C}">
-                <a14:useLocalDpi xmlns:a14="http://schemas.microsoft.com/office/drawing/2010/main" val="0"/>
-              </a:ext>
-            </a:extLst>
-          </a:blip>
-          <a:srcRect/>
-          <a:stretch>
-            <a:fillRect/>
-          </a:stretch>
-        </p:blipFill>
-        <p:spPr bwMode="auto">
-          <a:xfrm>
-            <a:off x="6088380" y="0"/>
-            <a:ext cx="6172200" cy="3086100"/>
-          </a:xfrm>
-          <a:prstGeom prst="rect">
-            <a:avLst/>
-          </a:prstGeom>
-          <a:noFill/>
-          <a:extLst>
-            <a:ext uri="{909E8E84-426E-40DD-AFC4-6F175D3DCCD1}">
-              <a14:hiddenFill xmlns:a14="http://schemas.microsoft.com/office/drawing/2010/main">
-                <a:solidFill>
-                  <a:srgbClr val="FFFFFF"/>
-                </a:solidFill>
-              </a14:hiddenFill>
-            </a:ext>
-          </a:extLst>
-        </p:spPr>
-      </p:pic>
-    </p:spTree>
-    <p:extLst>
-      <p:ext uri="{BB962C8B-B14F-4D97-AF65-F5344CB8AC3E}">
-        <p14:creationId xmlns:p14="http://schemas.microsoft.com/office/powerpoint/2010/main" val="988454024"/>
-      </p:ext>
-    </p:extLst>
-  </p:cSld>
-  <p:clrMapOvr>
-    <a:masterClrMapping/>
-  </p:clrMapOvr>
-</p:sld>
-</file>
-
-<file path=ppt/slides/slide11.xml><?xml version="1.0" encoding="utf-8"?>
-<p:sld xmlns:a="http://schemas.openxmlformats.org/drawingml/2006/main" xmlns:r="http://schemas.openxmlformats.org/officeDocument/2006/relationships" xmlns:p="http://schemas.openxmlformats.org/presentationml/2006/main">
-  <p:cSld>
-    <p:spTree>
-      <p:nvGrpSpPr>
-        <p:cNvPr id="1" name=""/>
-        <p:cNvGrpSpPr/>
-        <p:nvPr/>
-      </p:nvGrpSpPr>
-      <p:grpSpPr>
-        <a:xfrm>
-          <a:off x="0" y="0"/>
-          <a:ext cx="0" cy="0"/>
-          <a:chOff x="0" y="0"/>
-          <a:chExt cx="0" cy="0"/>
-        </a:xfrm>
-      </p:grpSpPr>
       <p:pic>
         <p:nvPicPr>
           <p:cNvPr id="7" name="Picture 6">
@@ -6388,7 +6180,7 @@
 </p:sld>
 </file>
 
-<file path=ppt/slides/slide12.xml><?xml version="1.0" encoding="utf-8"?>
+<file path=ppt/slides/slide11.xml><?xml version="1.0" encoding="utf-8"?>
 <p:sld xmlns:a="http://schemas.openxmlformats.org/drawingml/2006/main" xmlns:r="http://schemas.openxmlformats.org/officeDocument/2006/relationships" xmlns:p="http://schemas.openxmlformats.org/presentationml/2006/main">
   <p:cSld>
     <p:spTree>
@@ -6605,7 +6397,7 @@
 </p:sld>
 </file>
 
-<file path=ppt/slides/slide13.xml><?xml version="1.0" encoding="utf-8"?>
+<file path=ppt/slides/slide12.xml><?xml version="1.0" encoding="utf-8"?>
 <p:sld xmlns:a="http://schemas.openxmlformats.org/drawingml/2006/main" xmlns:r="http://schemas.openxmlformats.org/officeDocument/2006/relationships" xmlns:p="http://schemas.openxmlformats.org/presentationml/2006/main">
   <p:cSld>
     <p:spTree>
@@ -6735,6 +6527,226 @@
     <p:extLst>
       <p:ext uri="{BB962C8B-B14F-4D97-AF65-F5344CB8AC3E}">
         <p14:creationId xmlns:p14="http://schemas.microsoft.com/office/powerpoint/2010/main" val="2660935693"/>
+      </p:ext>
+    </p:extLst>
+  </p:cSld>
+  <p:clrMapOvr>
+    <a:masterClrMapping/>
+  </p:clrMapOvr>
+  <p:timing>
+    <p:tnLst>
+      <p:par>
+        <p:cTn id="1" dur="indefinite" restart="never" nodeType="tmRoot">
+          <p:childTnLst>
+            <p:seq concurrent="1" nextAc="seek">
+              <p:cTn id="2" dur="indefinite" nodeType="mainSeq">
+                <p:childTnLst>
+                  <p:par>
+                    <p:cTn id="3" fill="hold">
+                      <p:stCondLst>
+                        <p:cond delay="indefinite"/>
+                      </p:stCondLst>
+                      <p:childTnLst>
+                        <p:par>
+                          <p:cTn id="4" fill="hold">
+                            <p:stCondLst>
+                              <p:cond delay="0"/>
+                            </p:stCondLst>
+                            <p:childTnLst>
+                              <p:par>
+                                <p:cTn id="5" presetID="1" presetClass="entr" presetSubtype="0" fill="hold" grpId="0" nodeType="clickEffect">
+                                  <p:stCondLst>
+                                    <p:cond delay="0"/>
+                                  </p:stCondLst>
+                                  <p:childTnLst>
+                                    <p:set>
+                                      <p:cBhvr>
+                                        <p:cTn id="6" dur="1" fill="hold">
+                                          <p:stCondLst>
+                                            <p:cond delay="0"/>
+                                          </p:stCondLst>
+                                        </p:cTn>
+                                        <p:tgtEl>
+                                          <p:spTgt spid="7"/>
+                                        </p:tgtEl>
+                                        <p:attrNameLst>
+                                          <p:attrName>style.visibility</p:attrName>
+                                        </p:attrNameLst>
+                                      </p:cBhvr>
+                                      <p:to>
+                                        <p:strVal val="visible"/>
+                                      </p:to>
+                                    </p:set>
+                                  </p:childTnLst>
+                                </p:cTn>
+                              </p:par>
+                            </p:childTnLst>
+                          </p:cTn>
+                        </p:par>
+                      </p:childTnLst>
+                    </p:cTn>
+                  </p:par>
+                </p:childTnLst>
+              </p:cTn>
+              <p:prevCondLst>
+                <p:cond evt="onPrev" delay="0">
+                  <p:tgtEl>
+                    <p:sldTgt/>
+                  </p:tgtEl>
+                </p:cond>
+              </p:prevCondLst>
+              <p:nextCondLst>
+                <p:cond evt="onNext" delay="0">
+                  <p:tgtEl>
+                    <p:sldTgt/>
+                  </p:tgtEl>
+                </p:cond>
+              </p:nextCondLst>
+            </p:seq>
+          </p:childTnLst>
+        </p:cTn>
+      </p:par>
+    </p:tnLst>
+    <p:bldLst>
+      <p:bldP spid="7" grpId="0" animBg="1"/>
+    </p:bldLst>
+  </p:timing>
+</p:sld>
+</file>
+
+<file path=ppt/slides/slide13.xml><?xml version="1.0" encoding="utf-8"?>
+<p:sld xmlns:a="http://schemas.openxmlformats.org/drawingml/2006/main" xmlns:r="http://schemas.openxmlformats.org/officeDocument/2006/relationships" xmlns:p="http://schemas.openxmlformats.org/presentationml/2006/main">
+  <p:cSld>
+    <p:spTree>
+      <p:nvGrpSpPr>
+        <p:cNvPr id="1" name=""/>
+        <p:cNvGrpSpPr/>
+        <p:nvPr/>
+      </p:nvGrpSpPr>
+      <p:grpSpPr>
+        <a:xfrm>
+          <a:off x="0" y="0"/>
+          <a:ext cx="0" cy="0"/>
+          <a:chOff x="0" y="0"/>
+          <a:chExt cx="0" cy="0"/>
+        </a:xfrm>
+      </p:grpSpPr>
+      <p:pic>
+        <p:nvPicPr>
+          <p:cNvPr id="4" name="Picture 3">
+            <a:extLst>
+              <a:ext uri="{FF2B5EF4-FFF2-40B4-BE49-F238E27FC236}">
+                <a16:creationId xmlns:a16="http://schemas.microsoft.com/office/drawing/2014/main" id="{A9B868AA-69D8-4D09-965C-2E8AF518F9EF}"/>
+              </a:ext>
+            </a:extLst>
+          </p:cNvPr>
+          <p:cNvPicPr>
+            <a:picLocks noChangeAspect="1"/>
+          </p:cNvPicPr>
+          <p:nvPr/>
+        </p:nvPicPr>
+        <p:blipFill>
+          <a:blip r:embed="rId2"/>
+          <a:stretch>
+            <a:fillRect/>
+          </a:stretch>
+        </p:blipFill>
+        <p:spPr>
+          <a:xfrm>
+            <a:off x="447065" y="0"/>
+            <a:ext cx="5016338" cy="6858000"/>
+          </a:xfrm>
+          <a:prstGeom prst="rect">
+            <a:avLst/>
+          </a:prstGeom>
+        </p:spPr>
+      </p:pic>
+      <p:pic>
+        <p:nvPicPr>
+          <p:cNvPr id="5" name="Picture 4">
+            <a:extLst>
+              <a:ext uri="{FF2B5EF4-FFF2-40B4-BE49-F238E27FC236}">
+                <a16:creationId xmlns:a16="http://schemas.microsoft.com/office/drawing/2014/main" id="{B7904087-D2EF-4459-9654-038CE282AB74}"/>
+              </a:ext>
+            </a:extLst>
+          </p:cNvPr>
+          <p:cNvPicPr>
+            <a:picLocks noChangeAspect="1"/>
+          </p:cNvPicPr>
+          <p:nvPr/>
+        </p:nvPicPr>
+        <p:blipFill>
+          <a:blip r:embed="rId3"/>
+          <a:stretch>
+            <a:fillRect/>
+          </a:stretch>
+        </p:blipFill>
+        <p:spPr>
+          <a:xfrm>
+            <a:off x="5463403" y="0"/>
+            <a:ext cx="5027448" cy="6858000"/>
+          </a:xfrm>
+          <a:prstGeom prst="rect">
+            <a:avLst/>
+          </a:prstGeom>
+        </p:spPr>
+      </p:pic>
+      <p:sp>
+        <p:nvSpPr>
+          <p:cNvPr id="7" name="Speech Bubble: Oval 6">
+            <a:extLst>
+              <a:ext uri="{FF2B5EF4-FFF2-40B4-BE49-F238E27FC236}">
+                <a16:creationId xmlns:a16="http://schemas.microsoft.com/office/drawing/2014/main" id="{5C7E633A-9EDE-4577-AEEA-1024CF9C6556}"/>
+              </a:ext>
+            </a:extLst>
+          </p:cNvPr>
+          <p:cNvSpPr/>
+          <p:nvPr/>
+        </p:nvSpPr>
+        <p:spPr>
+          <a:xfrm>
+            <a:off x="9167855" y="2965837"/>
+            <a:ext cx="3024146" cy="1097280"/>
+          </a:xfrm>
+          <a:prstGeom prst="wedgeEllipseCallout">
+            <a:avLst>
+              <a:gd name="adj1" fmla="val -52886"/>
+              <a:gd name="adj2" fmla="val 87137"/>
+            </a:avLst>
+          </a:prstGeom>
+        </p:spPr>
+        <p:style>
+          <a:lnRef idx="2">
+            <a:schemeClr val="accent1">
+              <a:shade val="50000"/>
+            </a:schemeClr>
+          </a:lnRef>
+          <a:fillRef idx="1">
+            <a:schemeClr val="accent1"/>
+          </a:fillRef>
+          <a:effectRef idx="0">
+            <a:schemeClr val="accent1"/>
+          </a:effectRef>
+          <a:fontRef idx="minor">
+            <a:schemeClr val="lt1"/>
+          </a:fontRef>
+        </p:style>
+        <p:txBody>
+          <a:bodyPr rtlCol="0" anchor="ctr"/>
+          <a:lstStyle/>
+          <a:p>
+            <a:pPr algn="ctr"/>
+            <a:r>
+              <a:rPr lang="en-US" dirty="0"/>
+              <a:t>Let’s demonstrate a simple jump using this piece</a:t>
+            </a:r>
+          </a:p>
+        </p:txBody>
+      </p:sp>
+    </p:spTree>
+    <p:extLst>
+      <p:ext uri="{BB962C8B-B14F-4D97-AF65-F5344CB8AC3E}">
+        <p14:creationId xmlns:p14="http://schemas.microsoft.com/office/powerpoint/2010/main" val="2122745443"/>
       </p:ext>
     </p:extLst>
   </p:cSld>
@@ -6871,10 +6883,10 @@
       </p:pic>
       <p:pic>
         <p:nvPicPr>
-          <p:cNvPr id="5" name="Picture 4">
+          <p:cNvPr id="2" name="Picture 1">
             <a:extLst>
               <a:ext uri="{FF2B5EF4-FFF2-40B4-BE49-F238E27FC236}">
-                <a16:creationId xmlns:a16="http://schemas.microsoft.com/office/drawing/2014/main" id="{B7904087-D2EF-4459-9654-038CE282AB74}"/>
+                <a16:creationId xmlns:a16="http://schemas.microsoft.com/office/drawing/2014/main" id="{1C4AB4A6-B461-4C2B-9CAD-E876EB081551}"/>
               </a:ext>
             </a:extLst>
           </p:cNvPr>
@@ -6892,7 +6904,7 @@
         <p:spPr>
           <a:xfrm>
             <a:off x="5463403" y="0"/>
-            <a:ext cx="5027448" cy="6858000"/>
+            <a:ext cx="4854921" cy="6858000"/>
           </a:xfrm>
           <a:prstGeom prst="rect">
             <a:avLst/>
@@ -6904,7 +6916,7 @@
           <p:cNvPr id="7" name="Speech Bubble: Oval 6">
             <a:extLst>
               <a:ext uri="{FF2B5EF4-FFF2-40B4-BE49-F238E27FC236}">
-                <a16:creationId xmlns:a16="http://schemas.microsoft.com/office/drawing/2014/main" id="{5C7E633A-9EDE-4577-AEEA-1024CF9C6556}"/>
+                <a16:creationId xmlns:a16="http://schemas.microsoft.com/office/drawing/2014/main" id="{E5296F4E-701E-4F8B-85FC-982AB75CD8C0}"/>
               </a:ext>
             </a:extLst>
           </p:cNvPr>
@@ -6913,14 +6925,11 @@
         </p:nvSpPr>
         <p:spPr>
           <a:xfrm>
-            <a:off x="9167855" y="2965837"/>
-            <a:ext cx="3024146" cy="1097280"/>
+            <a:off x="8355641" y="111318"/>
+            <a:ext cx="2289989" cy="1097280"/>
           </a:xfrm>
           <a:prstGeom prst="wedgeEllipseCallout">
-            <a:avLst>
-              <a:gd name="adj1" fmla="val -52886"/>
-              <a:gd name="adj2" fmla="val 87137"/>
-            </a:avLst>
+            <a:avLst/>
           </a:prstGeom>
         </p:spPr>
         <p:style>
@@ -6946,7 +6955,7 @@
             <a:pPr algn="ctr"/>
             <a:r>
               <a:rPr lang="en-US" dirty="0"/>
-              <a:t>Let’s demonstrate a simple jump using this piece</a:t>
+              <a:t>When you hit the submit button</a:t>
             </a:r>
           </a:p>
         </p:txBody>
@@ -6954,7 +6963,7 @@
     </p:spTree>
     <p:extLst>
       <p:ext uri="{BB962C8B-B14F-4D97-AF65-F5344CB8AC3E}">
-        <p14:creationId xmlns:p14="http://schemas.microsoft.com/office/powerpoint/2010/main" val="2122745443"/>
+        <p14:creationId xmlns:p14="http://schemas.microsoft.com/office/powerpoint/2010/main" val="3206219278"/>
       </p:ext>
     </p:extLst>
   </p:cSld>
@@ -7064,223 +7073,6 @@
           <p:cNvPr id="4" name="Picture 3">
             <a:extLst>
               <a:ext uri="{FF2B5EF4-FFF2-40B4-BE49-F238E27FC236}">
-                <a16:creationId xmlns:a16="http://schemas.microsoft.com/office/drawing/2014/main" id="{A9B868AA-69D8-4D09-965C-2E8AF518F9EF}"/>
-              </a:ext>
-            </a:extLst>
-          </p:cNvPr>
-          <p:cNvPicPr>
-            <a:picLocks noChangeAspect="1"/>
-          </p:cNvPicPr>
-          <p:nvPr/>
-        </p:nvPicPr>
-        <p:blipFill>
-          <a:blip r:embed="rId2"/>
-          <a:stretch>
-            <a:fillRect/>
-          </a:stretch>
-        </p:blipFill>
-        <p:spPr>
-          <a:xfrm>
-            <a:off x="447065" y="0"/>
-            <a:ext cx="5016338" cy="6858000"/>
-          </a:xfrm>
-          <a:prstGeom prst="rect">
-            <a:avLst/>
-          </a:prstGeom>
-        </p:spPr>
-      </p:pic>
-      <p:pic>
-        <p:nvPicPr>
-          <p:cNvPr id="2" name="Picture 1">
-            <a:extLst>
-              <a:ext uri="{FF2B5EF4-FFF2-40B4-BE49-F238E27FC236}">
-                <a16:creationId xmlns:a16="http://schemas.microsoft.com/office/drawing/2014/main" id="{1C4AB4A6-B461-4C2B-9CAD-E876EB081551}"/>
-              </a:ext>
-            </a:extLst>
-          </p:cNvPr>
-          <p:cNvPicPr>
-            <a:picLocks noChangeAspect="1"/>
-          </p:cNvPicPr>
-          <p:nvPr/>
-        </p:nvPicPr>
-        <p:blipFill>
-          <a:blip r:embed="rId3"/>
-          <a:stretch>
-            <a:fillRect/>
-          </a:stretch>
-        </p:blipFill>
-        <p:spPr>
-          <a:xfrm>
-            <a:off x="5463403" y="0"/>
-            <a:ext cx="4854921" cy="6858000"/>
-          </a:xfrm>
-          <a:prstGeom prst="rect">
-            <a:avLst/>
-          </a:prstGeom>
-        </p:spPr>
-      </p:pic>
-      <p:sp>
-        <p:nvSpPr>
-          <p:cNvPr id="7" name="Speech Bubble: Oval 6">
-            <a:extLst>
-              <a:ext uri="{FF2B5EF4-FFF2-40B4-BE49-F238E27FC236}">
-                <a16:creationId xmlns:a16="http://schemas.microsoft.com/office/drawing/2014/main" id="{E5296F4E-701E-4F8B-85FC-982AB75CD8C0}"/>
-              </a:ext>
-            </a:extLst>
-          </p:cNvPr>
-          <p:cNvSpPr/>
-          <p:nvPr/>
-        </p:nvSpPr>
-        <p:spPr>
-          <a:xfrm>
-            <a:off x="8355641" y="111318"/>
-            <a:ext cx="2289989" cy="1097280"/>
-          </a:xfrm>
-          <a:prstGeom prst="wedgeEllipseCallout">
-            <a:avLst/>
-          </a:prstGeom>
-        </p:spPr>
-        <p:style>
-          <a:lnRef idx="2">
-            <a:schemeClr val="accent1">
-              <a:shade val="50000"/>
-            </a:schemeClr>
-          </a:lnRef>
-          <a:fillRef idx="1">
-            <a:schemeClr val="accent1"/>
-          </a:fillRef>
-          <a:effectRef idx="0">
-            <a:schemeClr val="accent1"/>
-          </a:effectRef>
-          <a:fontRef idx="minor">
-            <a:schemeClr val="lt1"/>
-          </a:fontRef>
-        </p:style>
-        <p:txBody>
-          <a:bodyPr rtlCol="0" anchor="ctr"/>
-          <a:lstStyle/>
-          <a:p>
-            <a:pPr algn="ctr"/>
-            <a:r>
-              <a:rPr lang="en-US" dirty="0"/>
-              <a:t>When you hit the submit button</a:t>
-            </a:r>
-          </a:p>
-        </p:txBody>
-      </p:sp>
-    </p:spTree>
-    <p:extLst>
-      <p:ext uri="{BB962C8B-B14F-4D97-AF65-F5344CB8AC3E}">
-        <p14:creationId xmlns:p14="http://schemas.microsoft.com/office/powerpoint/2010/main" val="3206219278"/>
-      </p:ext>
-    </p:extLst>
-  </p:cSld>
-  <p:clrMapOvr>
-    <a:masterClrMapping/>
-  </p:clrMapOvr>
-  <p:timing>
-    <p:tnLst>
-      <p:par>
-        <p:cTn id="1" dur="indefinite" restart="never" nodeType="tmRoot">
-          <p:childTnLst>
-            <p:seq concurrent="1" nextAc="seek">
-              <p:cTn id="2" dur="indefinite" nodeType="mainSeq">
-                <p:childTnLst>
-                  <p:par>
-                    <p:cTn id="3" fill="hold">
-                      <p:stCondLst>
-                        <p:cond delay="indefinite"/>
-                      </p:stCondLst>
-                      <p:childTnLst>
-                        <p:par>
-                          <p:cTn id="4" fill="hold">
-                            <p:stCondLst>
-                              <p:cond delay="0"/>
-                            </p:stCondLst>
-                            <p:childTnLst>
-                              <p:par>
-                                <p:cTn id="5" presetID="1" presetClass="entr" presetSubtype="0" fill="hold" grpId="0" nodeType="clickEffect">
-                                  <p:stCondLst>
-                                    <p:cond delay="0"/>
-                                  </p:stCondLst>
-                                  <p:childTnLst>
-                                    <p:set>
-                                      <p:cBhvr>
-                                        <p:cTn id="6" dur="1" fill="hold">
-                                          <p:stCondLst>
-                                            <p:cond delay="0"/>
-                                          </p:stCondLst>
-                                        </p:cTn>
-                                        <p:tgtEl>
-                                          <p:spTgt spid="7"/>
-                                        </p:tgtEl>
-                                        <p:attrNameLst>
-                                          <p:attrName>style.visibility</p:attrName>
-                                        </p:attrNameLst>
-                                      </p:cBhvr>
-                                      <p:to>
-                                        <p:strVal val="visible"/>
-                                      </p:to>
-                                    </p:set>
-                                  </p:childTnLst>
-                                </p:cTn>
-                              </p:par>
-                            </p:childTnLst>
-                          </p:cTn>
-                        </p:par>
-                      </p:childTnLst>
-                    </p:cTn>
-                  </p:par>
-                </p:childTnLst>
-              </p:cTn>
-              <p:prevCondLst>
-                <p:cond evt="onPrev" delay="0">
-                  <p:tgtEl>
-                    <p:sldTgt/>
-                  </p:tgtEl>
-                </p:cond>
-              </p:prevCondLst>
-              <p:nextCondLst>
-                <p:cond evt="onNext" delay="0">
-                  <p:tgtEl>
-                    <p:sldTgt/>
-                  </p:tgtEl>
-                </p:cond>
-              </p:nextCondLst>
-            </p:seq>
-          </p:childTnLst>
-        </p:cTn>
-      </p:par>
-    </p:tnLst>
-    <p:bldLst>
-      <p:bldP spid="7" grpId="0" animBg="1"/>
-    </p:bldLst>
-  </p:timing>
-</p:sld>
-</file>
-
-<file path=ppt/slides/slide16.xml><?xml version="1.0" encoding="utf-8"?>
-<p:sld xmlns:a="http://schemas.openxmlformats.org/drawingml/2006/main" xmlns:r="http://schemas.openxmlformats.org/officeDocument/2006/relationships" xmlns:p="http://schemas.openxmlformats.org/presentationml/2006/main">
-  <p:cSld>
-    <p:spTree>
-      <p:nvGrpSpPr>
-        <p:cNvPr id="1" name=""/>
-        <p:cNvGrpSpPr/>
-        <p:nvPr/>
-      </p:nvGrpSpPr>
-      <p:grpSpPr>
-        <a:xfrm>
-          <a:off x="0" y="0"/>
-          <a:ext cx="0" cy="0"/>
-          <a:chOff x="0" y="0"/>
-          <a:chExt cx="0" cy="0"/>
-        </a:xfrm>
-      </p:grpSpPr>
-      <p:pic>
-        <p:nvPicPr>
-          <p:cNvPr id="4" name="Picture 3">
-            <a:extLst>
-              <a:ext uri="{FF2B5EF4-FFF2-40B4-BE49-F238E27FC236}">
                 <a16:creationId xmlns:a16="http://schemas.microsoft.com/office/drawing/2014/main" id="{D4797625-149E-4363-9084-95FDFA9997A4}"/>
               </a:ext>
             </a:extLst>
@@ -7479,7 +7271,7 @@
 </p:sld>
 </file>
 
-<file path=ppt/slides/slide17.xml><?xml version="1.0" encoding="utf-8"?>
+<file path=ppt/slides/slide16.xml><?xml version="1.0" encoding="utf-8"?>
 <p:sld xmlns:a="http://schemas.openxmlformats.org/drawingml/2006/main" xmlns:r="http://schemas.openxmlformats.org/officeDocument/2006/relationships" xmlns:p="http://schemas.openxmlformats.org/presentationml/2006/main">
   <p:cSld>
     <p:spTree>
@@ -7794,7 +7586,7 @@
 </p:sld>
 </file>
 
-<file path=ppt/slides/slide18.xml><?xml version="1.0" encoding="utf-8"?>
+<file path=ppt/slides/slide17.xml><?xml version="1.0" encoding="utf-8"?>
 <p:sld xmlns:a="http://schemas.openxmlformats.org/drawingml/2006/main" xmlns:r="http://schemas.openxmlformats.org/officeDocument/2006/relationships" xmlns:p="http://schemas.openxmlformats.org/presentationml/2006/main">
   <p:cSld>
     <p:spTree>
@@ -8014,7 +7806,7 @@
 </p:sld>
 </file>
 
-<file path=ppt/slides/slide19.xml><?xml version="1.0" encoding="utf-8"?>
+<file path=ppt/slides/slide18.xml><?xml version="1.0" encoding="utf-8"?>
 <p:sld xmlns:a="http://schemas.openxmlformats.org/drawingml/2006/main" xmlns:r="http://schemas.openxmlformats.org/officeDocument/2006/relationships" xmlns:p="http://schemas.openxmlformats.org/presentationml/2006/main">
   <p:cSld>
     <p:spTree>
@@ -8231,159 +8023,7 @@
 </p:sld>
 </file>
 
-<file path=ppt/slides/slide2.xml><?xml version="1.0" encoding="utf-8"?>
-<p:sld xmlns:a="http://schemas.openxmlformats.org/drawingml/2006/main" xmlns:r="http://schemas.openxmlformats.org/officeDocument/2006/relationships" xmlns:p="http://schemas.openxmlformats.org/presentationml/2006/main">
-  <p:cSld>
-    <p:spTree>
-      <p:nvGrpSpPr>
-        <p:cNvPr id="1" name=""/>
-        <p:cNvGrpSpPr/>
-        <p:nvPr/>
-      </p:nvGrpSpPr>
-      <p:grpSpPr>
-        <a:xfrm>
-          <a:off x="0" y="0"/>
-          <a:ext cx="0" cy="0"/>
-          <a:chOff x="0" y="0"/>
-          <a:chExt cx="0" cy="0"/>
-        </a:xfrm>
-      </p:grpSpPr>
-      <p:sp>
-        <p:nvSpPr>
-          <p:cNvPr id="2" name="Title 1">
-            <a:extLst>
-              <a:ext uri="{FF2B5EF4-FFF2-40B4-BE49-F238E27FC236}">
-                <a16:creationId xmlns:a16="http://schemas.microsoft.com/office/drawing/2014/main" id="{EC9BFE62-99A3-4367-9063-CE529B83A61B}"/>
-              </a:ext>
-            </a:extLst>
-          </p:cNvPr>
-          <p:cNvSpPr>
-            <a:spLocks noGrp="1"/>
-          </p:cNvSpPr>
-          <p:nvPr>
-            <p:ph type="title"/>
-          </p:nvPr>
-        </p:nvSpPr>
-        <p:spPr/>
-        <p:txBody>
-          <a:bodyPr/>
-          <a:lstStyle/>
-          <a:p>
-            <a:r>
-              <a:rPr lang="en-US" dirty="0"/>
-              <a:t>Design Highlights </a:t>
-            </a:r>
-          </a:p>
-        </p:txBody>
-      </p:sp>
-      <p:sp>
-        <p:nvSpPr>
-          <p:cNvPr id="3" name="Content Placeholder 2">
-            <a:extLst>
-              <a:ext uri="{FF2B5EF4-FFF2-40B4-BE49-F238E27FC236}">
-                <a16:creationId xmlns:a16="http://schemas.microsoft.com/office/drawing/2014/main" id="{1029E0E8-4908-485E-B335-21A19414D3B2}"/>
-              </a:ext>
-            </a:extLst>
-          </p:cNvPr>
-          <p:cNvSpPr>
-            <a:spLocks noGrp="1"/>
-          </p:cNvSpPr>
-          <p:nvPr>
-            <p:ph idx="1"/>
-          </p:nvPr>
-        </p:nvSpPr>
-        <p:spPr/>
-        <p:txBody>
-          <a:bodyPr>
-            <a:normAutofit/>
-          </a:bodyPr>
-          <a:lstStyle/>
-          <a:p>
-            <a:r>
-              <a:rPr lang="en-US" dirty="0"/>
-              <a:t>Spark and Ajax routes follow design principles</a:t>
-            </a:r>
-          </a:p>
-          <a:p>
-            <a:r>
-              <a:rPr lang="en-US" i="1" dirty="0"/>
-              <a:t>Information hiding </a:t>
-            </a:r>
-            <a:r>
-              <a:rPr lang="en-US" dirty="0"/>
-              <a:t>and </a:t>
-            </a:r>
-            <a:r>
-              <a:rPr lang="en-US" i="1" dirty="0"/>
-              <a:t>information expert</a:t>
-            </a:r>
-            <a:r>
-              <a:rPr lang="en-US" dirty="0"/>
-              <a:t> fully implemented throughout the project: data and functionality properly assigned to classes</a:t>
-            </a:r>
-          </a:p>
-          <a:p>
-            <a:r>
-              <a:rPr lang="en-US" dirty="0"/>
-              <a:t>No </a:t>
-            </a:r>
-            <a:r>
-              <a:rPr lang="en-US" i="1" dirty="0"/>
-              <a:t>inheritance</a:t>
-            </a:r>
-            <a:r>
-              <a:rPr lang="en-US" dirty="0"/>
-              <a:t>: expect for spark routes, because we didn’t feel the need for inheritance</a:t>
-            </a:r>
-          </a:p>
-          <a:p>
-            <a:r>
-              <a:rPr lang="en-US" i="1" dirty="0"/>
-              <a:t>Single Responsibility</a:t>
-            </a:r>
-            <a:r>
-              <a:rPr lang="en-US" dirty="0"/>
-              <a:t>: We made sure single modules or classes have single part or single functionality.</a:t>
-            </a:r>
-          </a:p>
-          <a:p>
-            <a:r>
-              <a:rPr lang="en-US" dirty="0"/>
-              <a:t>There is </a:t>
-            </a:r>
-            <a:r>
-              <a:rPr lang="en-US" i="1" dirty="0"/>
-              <a:t>high cohesion</a:t>
-            </a:r>
-            <a:r>
-              <a:rPr lang="en-US" dirty="0"/>
-              <a:t> but we still have room to improve on </a:t>
-            </a:r>
-            <a:r>
-              <a:rPr lang="en-US" i="1" dirty="0"/>
-              <a:t>low coupling</a:t>
-            </a:r>
-            <a:r>
-              <a:rPr lang="en-US" dirty="0"/>
-              <a:t> starting with our move validator class which has too many dependencies.</a:t>
-            </a:r>
-          </a:p>
-        </p:txBody>
-      </p:sp>
-    </p:spTree>
-    <p:extLst>
-      <p:ext uri="{BB962C8B-B14F-4D97-AF65-F5344CB8AC3E}">
-        <p14:creationId xmlns:p14="http://schemas.microsoft.com/office/powerpoint/2010/main" val="1402645709"/>
-      </p:ext>
-    </p:extLst>
-  </p:cSld>
-  <p:clrMapOvr>
-    <a:masterClrMapping/>
-  </p:clrMapOvr>
-</p:sld>
-</file>
-
-<file path=ppt/slides/slide20.xml><?xml version="1.0" encoding="utf-8"?>
+<file path=ppt/slides/slide19.xml><?xml version="1.0" encoding="utf-8"?>
 <p:sld xmlns:a="http://schemas.openxmlformats.org/drawingml/2006/main" xmlns:r="http://schemas.openxmlformats.org/officeDocument/2006/relationships" xmlns:p="http://schemas.openxmlformats.org/presentationml/2006/main">
   <p:cSld>
     <p:spTree>
@@ -8701,7 +8341,159 @@
 </p:sld>
 </file>
 
-<file path=ppt/slides/slide21.xml><?xml version="1.0" encoding="utf-8"?>
+<file path=ppt/slides/slide2.xml><?xml version="1.0" encoding="utf-8"?>
+<p:sld xmlns:a="http://schemas.openxmlformats.org/drawingml/2006/main" xmlns:r="http://schemas.openxmlformats.org/officeDocument/2006/relationships" xmlns:p="http://schemas.openxmlformats.org/presentationml/2006/main">
+  <p:cSld>
+    <p:spTree>
+      <p:nvGrpSpPr>
+        <p:cNvPr id="1" name=""/>
+        <p:cNvGrpSpPr/>
+        <p:nvPr/>
+      </p:nvGrpSpPr>
+      <p:grpSpPr>
+        <a:xfrm>
+          <a:off x="0" y="0"/>
+          <a:ext cx="0" cy="0"/>
+          <a:chOff x="0" y="0"/>
+          <a:chExt cx="0" cy="0"/>
+        </a:xfrm>
+      </p:grpSpPr>
+      <p:sp>
+        <p:nvSpPr>
+          <p:cNvPr id="2" name="Title 1">
+            <a:extLst>
+              <a:ext uri="{FF2B5EF4-FFF2-40B4-BE49-F238E27FC236}">
+                <a16:creationId xmlns:a16="http://schemas.microsoft.com/office/drawing/2014/main" id="{EC9BFE62-99A3-4367-9063-CE529B83A61B}"/>
+              </a:ext>
+            </a:extLst>
+          </p:cNvPr>
+          <p:cNvSpPr>
+            <a:spLocks noGrp="1"/>
+          </p:cNvSpPr>
+          <p:nvPr>
+            <p:ph type="title"/>
+          </p:nvPr>
+        </p:nvSpPr>
+        <p:spPr/>
+        <p:txBody>
+          <a:bodyPr/>
+          <a:lstStyle/>
+          <a:p>
+            <a:r>
+              <a:rPr lang="en-US" dirty="0"/>
+              <a:t>Design Highlights </a:t>
+            </a:r>
+          </a:p>
+        </p:txBody>
+      </p:sp>
+      <p:sp>
+        <p:nvSpPr>
+          <p:cNvPr id="3" name="Content Placeholder 2">
+            <a:extLst>
+              <a:ext uri="{FF2B5EF4-FFF2-40B4-BE49-F238E27FC236}">
+                <a16:creationId xmlns:a16="http://schemas.microsoft.com/office/drawing/2014/main" id="{1029E0E8-4908-485E-B335-21A19414D3B2}"/>
+              </a:ext>
+            </a:extLst>
+          </p:cNvPr>
+          <p:cNvSpPr>
+            <a:spLocks noGrp="1"/>
+          </p:cNvSpPr>
+          <p:nvPr>
+            <p:ph idx="1"/>
+          </p:nvPr>
+        </p:nvSpPr>
+        <p:spPr/>
+        <p:txBody>
+          <a:bodyPr>
+            <a:normAutofit/>
+          </a:bodyPr>
+          <a:lstStyle/>
+          <a:p>
+            <a:r>
+              <a:rPr lang="en-US" dirty="0"/>
+              <a:t>Spark and Ajax routes follow design principles</a:t>
+            </a:r>
+          </a:p>
+          <a:p>
+            <a:r>
+              <a:rPr lang="en-US" i="1" dirty="0"/>
+              <a:t>Information hiding </a:t>
+            </a:r>
+            <a:r>
+              <a:rPr lang="en-US" dirty="0"/>
+              <a:t>and </a:t>
+            </a:r>
+            <a:r>
+              <a:rPr lang="en-US" i="1" dirty="0"/>
+              <a:t>information expert</a:t>
+            </a:r>
+            <a:r>
+              <a:rPr lang="en-US" dirty="0"/>
+              <a:t> fully implemented throughout the project: data and functionality properly assigned to classes</a:t>
+            </a:r>
+          </a:p>
+          <a:p>
+            <a:r>
+              <a:rPr lang="en-US" dirty="0"/>
+              <a:t>No </a:t>
+            </a:r>
+            <a:r>
+              <a:rPr lang="en-US" i="1" dirty="0"/>
+              <a:t>inheritance</a:t>
+            </a:r>
+            <a:r>
+              <a:rPr lang="en-US" dirty="0"/>
+              <a:t>: expect for spark routes, because we didn’t feel the need for inheritance</a:t>
+            </a:r>
+          </a:p>
+          <a:p>
+            <a:r>
+              <a:rPr lang="en-US" i="1" dirty="0"/>
+              <a:t>Single Responsibility</a:t>
+            </a:r>
+            <a:r>
+              <a:rPr lang="en-US" dirty="0"/>
+              <a:t>: We made sure single modules or classes have single part or single functionality.</a:t>
+            </a:r>
+          </a:p>
+          <a:p>
+            <a:r>
+              <a:rPr lang="en-US" dirty="0"/>
+              <a:t>There is </a:t>
+            </a:r>
+            <a:r>
+              <a:rPr lang="en-US" i="1" dirty="0"/>
+              <a:t>high cohesion</a:t>
+            </a:r>
+            <a:r>
+              <a:rPr lang="en-US" dirty="0"/>
+              <a:t> but we still have room to improve on </a:t>
+            </a:r>
+            <a:r>
+              <a:rPr lang="en-US" i="1" dirty="0"/>
+              <a:t>low coupling</a:t>
+            </a:r>
+            <a:r>
+              <a:rPr lang="en-US" dirty="0"/>
+              <a:t> starting with our move validator class which has too many dependencies.</a:t>
+            </a:r>
+          </a:p>
+        </p:txBody>
+      </p:sp>
+    </p:spTree>
+    <p:extLst>
+      <p:ext uri="{BB962C8B-B14F-4D97-AF65-F5344CB8AC3E}">
+        <p14:creationId xmlns:p14="http://schemas.microsoft.com/office/powerpoint/2010/main" val="1402645709"/>
+      </p:ext>
+    </p:extLst>
+  </p:cSld>
+  <p:clrMapOvr>
+    <a:masterClrMapping/>
+  </p:clrMapOvr>
+</p:sld>
+</file>
+
+<file path=ppt/slides/slide20.xml><?xml version="1.0" encoding="utf-8"?>
 <p:sld xmlns:a="http://schemas.openxmlformats.org/drawingml/2006/main" xmlns:r="http://schemas.openxmlformats.org/officeDocument/2006/relationships" xmlns:p="http://schemas.openxmlformats.org/presentationml/2006/main">
   <p:cSld>
     <p:spTree>
@@ -8834,6 +8626,223 @@
     <p:extLst>
       <p:ext uri="{BB962C8B-B14F-4D97-AF65-F5344CB8AC3E}">
         <p14:creationId xmlns:p14="http://schemas.microsoft.com/office/powerpoint/2010/main" val="3546445778"/>
+      </p:ext>
+    </p:extLst>
+  </p:cSld>
+  <p:clrMapOvr>
+    <a:masterClrMapping/>
+  </p:clrMapOvr>
+  <p:timing>
+    <p:tnLst>
+      <p:par>
+        <p:cTn id="1" dur="indefinite" restart="never" nodeType="tmRoot">
+          <p:childTnLst>
+            <p:seq concurrent="1" nextAc="seek">
+              <p:cTn id="2" dur="indefinite" nodeType="mainSeq">
+                <p:childTnLst>
+                  <p:par>
+                    <p:cTn id="3" fill="hold">
+                      <p:stCondLst>
+                        <p:cond delay="indefinite"/>
+                      </p:stCondLst>
+                      <p:childTnLst>
+                        <p:par>
+                          <p:cTn id="4" fill="hold">
+                            <p:stCondLst>
+                              <p:cond delay="0"/>
+                            </p:stCondLst>
+                            <p:childTnLst>
+                              <p:par>
+                                <p:cTn id="5" presetID="1" presetClass="entr" presetSubtype="0" fill="hold" grpId="0" nodeType="clickEffect">
+                                  <p:stCondLst>
+                                    <p:cond delay="0"/>
+                                  </p:stCondLst>
+                                  <p:childTnLst>
+                                    <p:set>
+                                      <p:cBhvr>
+                                        <p:cTn id="6" dur="1" fill="hold">
+                                          <p:stCondLst>
+                                            <p:cond delay="0"/>
+                                          </p:stCondLst>
+                                        </p:cTn>
+                                        <p:tgtEl>
+                                          <p:spTgt spid="7"/>
+                                        </p:tgtEl>
+                                        <p:attrNameLst>
+                                          <p:attrName>style.visibility</p:attrName>
+                                        </p:attrNameLst>
+                                      </p:cBhvr>
+                                      <p:to>
+                                        <p:strVal val="visible"/>
+                                      </p:to>
+                                    </p:set>
+                                  </p:childTnLst>
+                                </p:cTn>
+                              </p:par>
+                            </p:childTnLst>
+                          </p:cTn>
+                        </p:par>
+                      </p:childTnLst>
+                    </p:cTn>
+                  </p:par>
+                </p:childTnLst>
+              </p:cTn>
+              <p:prevCondLst>
+                <p:cond evt="onPrev" delay="0">
+                  <p:tgtEl>
+                    <p:sldTgt/>
+                  </p:tgtEl>
+                </p:cond>
+              </p:prevCondLst>
+              <p:nextCondLst>
+                <p:cond evt="onNext" delay="0">
+                  <p:tgtEl>
+                    <p:sldTgt/>
+                  </p:tgtEl>
+                </p:cond>
+              </p:nextCondLst>
+            </p:seq>
+          </p:childTnLst>
+        </p:cTn>
+      </p:par>
+    </p:tnLst>
+    <p:bldLst>
+      <p:bldP spid="7" grpId="0" animBg="1"/>
+    </p:bldLst>
+  </p:timing>
+</p:sld>
+</file>
+
+<file path=ppt/slides/slide21.xml><?xml version="1.0" encoding="utf-8"?>
+<p:sld xmlns:a="http://schemas.openxmlformats.org/drawingml/2006/main" xmlns:r="http://schemas.openxmlformats.org/officeDocument/2006/relationships" xmlns:p="http://schemas.openxmlformats.org/presentationml/2006/main">
+  <p:cSld>
+    <p:spTree>
+      <p:nvGrpSpPr>
+        <p:cNvPr id="1" name=""/>
+        <p:cNvGrpSpPr/>
+        <p:nvPr/>
+      </p:nvGrpSpPr>
+      <p:grpSpPr>
+        <a:xfrm>
+          <a:off x="0" y="0"/>
+          <a:ext cx="0" cy="0"/>
+          <a:chOff x="0" y="0"/>
+          <a:chExt cx="0" cy="0"/>
+        </a:xfrm>
+      </p:grpSpPr>
+      <p:pic>
+        <p:nvPicPr>
+          <p:cNvPr id="4" name="Picture 3">
+            <a:extLst>
+              <a:ext uri="{FF2B5EF4-FFF2-40B4-BE49-F238E27FC236}">
+                <a16:creationId xmlns:a16="http://schemas.microsoft.com/office/drawing/2014/main" id="{1C75499A-27AD-47B7-8C69-672C932E1EAC}"/>
+              </a:ext>
+            </a:extLst>
+          </p:cNvPr>
+          <p:cNvPicPr>
+            <a:picLocks noChangeAspect="1"/>
+          </p:cNvPicPr>
+          <p:nvPr/>
+        </p:nvPicPr>
+        <p:blipFill>
+          <a:blip r:embed="rId2"/>
+          <a:stretch>
+            <a:fillRect/>
+          </a:stretch>
+        </p:blipFill>
+        <p:spPr>
+          <a:xfrm>
+            <a:off x="451076" y="0"/>
+            <a:ext cx="4992414" cy="6858000"/>
+          </a:xfrm>
+          <a:prstGeom prst="rect">
+            <a:avLst/>
+          </a:prstGeom>
+        </p:spPr>
+      </p:pic>
+      <p:pic>
+        <p:nvPicPr>
+          <p:cNvPr id="2" name="Picture 1">
+            <a:extLst>
+              <a:ext uri="{FF2B5EF4-FFF2-40B4-BE49-F238E27FC236}">
+                <a16:creationId xmlns:a16="http://schemas.microsoft.com/office/drawing/2014/main" id="{8FB63ABF-5FD5-48EB-9329-5B814DFB7486}"/>
+              </a:ext>
+            </a:extLst>
+          </p:cNvPr>
+          <p:cNvPicPr>
+            <a:picLocks noChangeAspect="1"/>
+          </p:cNvPicPr>
+          <p:nvPr/>
+        </p:nvPicPr>
+        <p:blipFill>
+          <a:blip r:embed="rId3"/>
+          <a:stretch>
+            <a:fillRect/>
+          </a:stretch>
+        </p:blipFill>
+        <p:spPr>
+          <a:xfrm>
+            <a:off x="5443490" y="0"/>
+            <a:ext cx="4846433" cy="6858000"/>
+          </a:xfrm>
+          <a:prstGeom prst="rect">
+            <a:avLst/>
+          </a:prstGeom>
+        </p:spPr>
+      </p:pic>
+      <p:sp>
+        <p:nvSpPr>
+          <p:cNvPr id="7" name="Speech Bubble: Oval 6">
+            <a:extLst>
+              <a:ext uri="{FF2B5EF4-FFF2-40B4-BE49-F238E27FC236}">
+                <a16:creationId xmlns:a16="http://schemas.microsoft.com/office/drawing/2014/main" id="{1E5BEED3-0B14-422B-8A21-421122B9DE09}"/>
+              </a:ext>
+            </a:extLst>
+          </p:cNvPr>
+          <p:cNvSpPr/>
+          <p:nvPr/>
+        </p:nvSpPr>
+        <p:spPr>
+          <a:xfrm>
+            <a:off x="7736374" y="115294"/>
+            <a:ext cx="2553549" cy="1097280"/>
+          </a:xfrm>
+          <a:prstGeom prst="wedgeEllipseCallout">
+            <a:avLst/>
+          </a:prstGeom>
+        </p:spPr>
+        <p:style>
+          <a:lnRef idx="2">
+            <a:schemeClr val="accent1">
+              <a:shade val="50000"/>
+            </a:schemeClr>
+          </a:lnRef>
+          <a:fillRef idx="1">
+            <a:schemeClr val="accent1"/>
+          </a:fillRef>
+          <a:effectRef idx="0">
+            <a:schemeClr val="accent1"/>
+          </a:effectRef>
+          <a:fontRef idx="minor">
+            <a:schemeClr val="lt1"/>
+          </a:fontRef>
+        </p:style>
+        <p:txBody>
+          <a:bodyPr rtlCol="0" anchor="ctr"/>
+          <a:lstStyle/>
+          <a:p>
+            <a:pPr algn="ctr"/>
+            <a:r>
+              <a:rPr lang="en-US" dirty="0"/>
+              <a:t>Wait! Let’s undo that move</a:t>
+            </a:r>
+          </a:p>
+        </p:txBody>
+      </p:sp>
+    </p:spTree>
+    <p:extLst>
+      <p:ext uri="{BB962C8B-B14F-4D97-AF65-F5344CB8AC3E}">
+        <p14:creationId xmlns:p14="http://schemas.microsoft.com/office/powerpoint/2010/main" val="4262505024"/>
       </p:ext>
     </p:extLst>
   </p:cSld>
@@ -8970,10 +8979,10 @@
       </p:pic>
       <p:pic>
         <p:nvPicPr>
-          <p:cNvPr id="2" name="Picture 1">
+          <p:cNvPr id="5" name="Picture 4">
             <a:extLst>
               <a:ext uri="{FF2B5EF4-FFF2-40B4-BE49-F238E27FC236}">
-                <a16:creationId xmlns:a16="http://schemas.microsoft.com/office/drawing/2014/main" id="{8FB63ABF-5FD5-48EB-9329-5B814DFB7486}"/>
+                <a16:creationId xmlns:a16="http://schemas.microsoft.com/office/drawing/2014/main" id="{430CB1A6-5CE9-42F6-A06C-BD184F44D944}"/>
               </a:ext>
             </a:extLst>
           </p:cNvPr>
@@ -8991,7 +9000,7 @@
         <p:spPr>
           <a:xfrm>
             <a:off x="5443490" y="0"/>
-            <a:ext cx="4846433" cy="6858000"/>
+            <a:ext cx="5014639" cy="6858000"/>
           </a:xfrm>
           <a:prstGeom prst="rect">
             <a:avLst/>
@@ -9003,7 +9012,7 @@
           <p:cNvPr id="7" name="Speech Bubble: Oval 6">
             <a:extLst>
               <a:ext uri="{FF2B5EF4-FFF2-40B4-BE49-F238E27FC236}">
-                <a16:creationId xmlns:a16="http://schemas.microsoft.com/office/drawing/2014/main" id="{1E5BEED3-0B14-422B-8A21-421122B9DE09}"/>
+                <a16:creationId xmlns:a16="http://schemas.microsoft.com/office/drawing/2014/main" id="{FFF07DC9-C97A-4AB1-8F1E-4CD9BBACBF1A}"/>
               </a:ext>
             </a:extLst>
           </p:cNvPr>
@@ -9012,11 +9021,14 @@
         </p:nvSpPr>
         <p:spPr>
           <a:xfrm>
-            <a:off x="7736374" y="115294"/>
+            <a:off x="9779331" y="644056"/>
             <a:ext cx="2553549" cy="1097280"/>
           </a:xfrm>
           <a:prstGeom prst="wedgeEllipseCallout">
-            <a:avLst/>
+            <a:avLst>
+              <a:gd name="adj1" fmla="val -78127"/>
+              <a:gd name="adj2" fmla="val 104529"/>
+            </a:avLst>
           </a:prstGeom>
         </p:spPr>
         <p:style>
@@ -9042,7 +9054,7 @@
             <a:pPr algn="ctr"/>
             <a:r>
               <a:rPr lang="en-US" dirty="0"/>
-              <a:t>Wait! Let’s undo that move</a:t>
+              <a:t>Now, let’s actually do a simple king move</a:t>
             </a:r>
           </a:p>
         </p:txBody>
@@ -9050,7 +9062,7 @@
     </p:spTree>
     <p:extLst>
       <p:ext uri="{BB962C8B-B14F-4D97-AF65-F5344CB8AC3E}">
-        <p14:creationId xmlns:p14="http://schemas.microsoft.com/office/powerpoint/2010/main" val="4262505024"/>
+        <p14:creationId xmlns:p14="http://schemas.microsoft.com/office/powerpoint/2010/main" val="2998906014"/>
       </p:ext>
     </p:extLst>
   </p:cSld>
@@ -9187,226 +9199,6 @@
       </p:pic>
       <p:pic>
         <p:nvPicPr>
-          <p:cNvPr id="5" name="Picture 4">
-            <a:extLst>
-              <a:ext uri="{FF2B5EF4-FFF2-40B4-BE49-F238E27FC236}">
-                <a16:creationId xmlns:a16="http://schemas.microsoft.com/office/drawing/2014/main" id="{430CB1A6-5CE9-42F6-A06C-BD184F44D944}"/>
-              </a:ext>
-            </a:extLst>
-          </p:cNvPr>
-          <p:cNvPicPr>
-            <a:picLocks noChangeAspect="1"/>
-          </p:cNvPicPr>
-          <p:nvPr/>
-        </p:nvPicPr>
-        <p:blipFill>
-          <a:blip r:embed="rId3"/>
-          <a:stretch>
-            <a:fillRect/>
-          </a:stretch>
-        </p:blipFill>
-        <p:spPr>
-          <a:xfrm>
-            <a:off x="5443490" y="0"/>
-            <a:ext cx="5014639" cy="6858000"/>
-          </a:xfrm>
-          <a:prstGeom prst="rect">
-            <a:avLst/>
-          </a:prstGeom>
-        </p:spPr>
-      </p:pic>
-      <p:sp>
-        <p:nvSpPr>
-          <p:cNvPr id="7" name="Speech Bubble: Oval 6">
-            <a:extLst>
-              <a:ext uri="{FF2B5EF4-FFF2-40B4-BE49-F238E27FC236}">
-                <a16:creationId xmlns:a16="http://schemas.microsoft.com/office/drawing/2014/main" id="{FFF07DC9-C97A-4AB1-8F1E-4CD9BBACBF1A}"/>
-              </a:ext>
-            </a:extLst>
-          </p:cNvPr>
-          <p:cNvSpPr/>
-          <p:nvPr/>
-        </p:nvSpPr>
-        <p:spPr>
-          <a:xfrm>
-            <a:off x="9779331" y="644056"/>
-            <a:ext cx="2553549" cy="1097280"/>
-          </a:xfrm>
-          <a:prstGeom prst="wedgeEllipseCallout">
-            <a:avLst>
-              <a:gd name="adj1" fmla="val -78127"/>
-              <a:gd name="adj2" fmla="val 104529"/>
-            </a:avLst>
-          </a:prstGeom>
-        </p:spPr>
-        <p:style>
-          <a:lnRef idx="2">
-            <a:schemeClr val="accent1">
-              <a:shade val="50000"/>
-            </a:schemeClr>
-          </a:lnRef>
-          <a:fillRef idx="1">
-            <a:schemeClr val="accent1"/>
-          </a:fillRef>
-          <a:effectRef idx="0">
-            <a:schemeClr val="accent1"/>
-          </a:effectRef>
-          <a:fontRef idx="minor">
-            <a:schemeClr val="lt1"/>
-          </a:fontRef>
-        </p:style>
-        <p:txBody>
-          <a:bodyPr rtlCol="0" anchor="ctr"/>
-          <a:lstStyle/>
-          <a:p>
-            <a:pPr algn="ctr"/>
-            <a:r>
-              <a:rPr lang="en-US" dirty="0"/>
-              <a:t>Now, let’s actually do a simple king move</a:t>
-            </a:r>
-          </a:p>
-        </p:txBody>
-      </p:sp>
-    </p:spTree>
-    <p:extLst>
-      <p:ext uri="{BB962C8B-B14F-4D97-AF65-F5344CB8AC3E}">
-        <p14:creationId xmlns:p14="http://schemas.microsoft.com/office/powerpoint/2010/main" val="2998906014"/>
-      </p:ext>
-    </p:extLst>
-  </p:cSld>
-  <p:clrMapOvr>
-    <a:masterClrMapping/>
-  </p:clrMapOvr>
-  <p:timing>
-    <p:tnLst>
-      <p:par>
-        <p:cTn id="1" dur="indefinite" restart="never" nodeType="tmRoot">
-          <p:childTnLst>
-            <p:seq concurrent="1" nextAc="seek">
-              <p:cTn id="2" dur="indefinite" nodeType="mainSeq">
-                <p:childTnLst>
-                  <p:par>
-                    <p:cTn id="3" fill="hold">
-                      <p:stCondLst>
-                        <p:cond delay="indefinite"/>
-                      </p:stCondLst>
-                      <p:childTnLst>
-                        <p:par>
-                          <p:cTn id="4" fill="hold">
-                            <p:stCondLst>
-                              <p:cond delay="0"/>
-                            </p:stCondLst>
-                            <p:childTnLst>
-                              <p:par>
-                                <p:cTn id="5" presetID="1" presetClass="entr" presetSubtype="0" fill="hold" grpId="0" nodeType="clickEffect">
-                                  <p:stCondLst>
-                                    <p:cond delay="0"/>
-                                  </p:stCondLst>
-                                  <p:childTnLst>
-                                    <p:set>
-                                      <p:cBhvr>
-                                        <p:cTn id="6" dur="1" fill="hold">
-                                          <p:stCondLst>
-                                            <p:cond delay="0"/>
-                                          </p:stCondLst>
-                                        </p:cTn>
-                                        <p:tgtEl>
-                                          <p:spTgt spid="7"/>
-                                        </p:tgtEl>
-                                        <p:attrNameLst>
-                                          <p:attrName>style.visibility</p:attrName>
-                                        </p:attrNameLst>
-                                      </p:cBhvr>
-                                      <p:to>
-                                        <p:strVal val="visible"/>
-                                      </p:to>
-                                    </p:set>
-                                  </p:childTnLst>
-                                </p:cTn>
-                              </p:par>
-                            </p:childTnLst>
-                          </p:cTn>
-                        </p:par>
-                      </p:childTnLst>
-                    </p:cTn>
-                  </p:par>
-                </p:childTnLst>
-              </p:cTn>
-              <p:prevCondLst>
-                <p:cond evt="onPrev" delay="0">
-                  <p:tgtEl>
-                    <p:sldTgt/>
-                  </p:tgtEl>
-                </p:cond>
-              </p:prevCondLst>
-              <p:nextCondLst>
-                <p:cond evt="onNext" delay="0">
-                  <p:tgtEl>
-                    <p:sldTgt/>
-                  </p:tgtEl>
-                </p:cond>
-              </p:nextCondLst>
-            </p:seq>
-          </p:childTnLst>
-        </p:cTn>
-      </p:par>
-    </p:tnLst>
-    <p:bldLst>
-      <p:bldP spid="7" grpId="0" animBg="1"/>
-    </p:bldLst>
-  </p:timing>
-</p:sld>
-</file>
-
-<file path=ppt/slides/slide24.xml><?xml version="1.0" encoding="utf-8"?>
-<p:sld xmlns:a="http://schemas.openxmlformats.org/drawingml/2006/main" xmlns:r="http://schemas.openxmlformats.org/officeDocument/2006/relationships" xmlns:p="http://schemas.openxmlformats.org/presentationml/2006/main">
-  <p:cSld>
-    <p:spTree>
-      <p:nvGrpSpPr>
-        <p:cNvPr id="1" name=""/>
-        <p:cNvGrpSpPr/>
-        <p:nvPr/>
-      </p:nvGrpSpPr>
-      <p:grpSpPr>
-        <a:xfrm>
-          <a:off x="0" y="0"/>
-          <a:ext cx="0" cy="0"/>
-          <a:chOff x="0" y="0"/>
-          <a:chExt cx="0" cy="0"/>
-        </a:xfrm>
-      </p:grpSpPr>
-      <p:pic>
-        <p:nvPicPr>
-          <p:cNvPr id="4" name="Picture 3">
-            <a:extLst>
-              <a:ext uri="{FF2B5EF4-FFF2-40B4-BE49-F238E27FC236}">
-                <a16:creationId xmlns:a16="http://schemas.microsoft.com/office/drawing/2014/main" id="{1C75499A-27AD-47B7-8C69-672C932E1EAC}"/>
-              </a:ext>
-            </a:extLst>
-          </p:cNvPr>
-          <p:cNvPicPr>
-            <a:picLocks noChangeAspect="1"/>
-          </p:cNvPicPr>
-          <p:nvPr/>
-        </p:nvPicPr>
-        <p:blipFill>
-          <a:blip r:embed="rId2"/>
-          <a:stretch>
-            <a:fillRect/>
-          </a:stretch>
-        </p:blipFill>
-        <p:spPr>
-          <a:xfrm>
-            <a:off x="451076" y="0"/>
-            <a:ext cx="4992414" cy="6858000"/>
-          </a:xfrm>
-          <a:prstGeom prst="rect">
-            <a:avLst/>
-          </a:prstGeom>
-        </p:spPr>
-      </p:pic>
-      <p:pic>
-        <p:nvPicPr>
           <p:cNvPr id="2" name="Picture 1">
             <a:extLst>
               <a:ext uri="{FF2B5EF4-FFF2-40B4-BE49-F238E27FC236}">
@@ -9575,7 +9367,7 @@
 </p:sld>
 </file>
 
-<file path=ppt/slides/slide25.xml><?xml version="1.0" encoding="utf-8"?>
+<file path=ppt/slides/slide24.xml><?xml version="1.0" encoding="utf-8"?>
 <p:sld xmlns:a="http://schemas.openxmlformats.org/drawingml/2006/main" xmlns:r="http://schemas.openxmlformats.org/officeDocument/2006/relationships" xmlns:p="http://schemas.openxmlformats.org/presentationml/2006/main">
   <p:cSld>
     <p:spTree>
@@ -9665,7 +9457,7 @@
 </p:sld>
 </file>
 
-<file path=ppt/slides/slide26.xml><?xml version="1.0" encoding="utf-8"?>
+<file path=ppt/slides/slide25.xml><?xml version="1.0" encoding="utf-8"?>
 <p:sld xmlns:a="http://schemas.openxmlformats.org/drawingml/2006/main" xmlns:r="http://schemas.openxmlformats.org/officeDocument/2006/relationships" xmlns:p="http://schemas.openxmlformats.org/presentationml/2006/main">
   <p:cSld>
     <p:spTree>
@@ -10046,7 +9838,7 @@
           <a:p>
             <a:r>
               <a:rPr lang="en-US" dirty="0"/>
-              <a:t>Code Coverage</a:t>
+              <a:t>UI Tier Code Coverage</a:t>
             </a:r>
           </a:p>
         </p:txBody>
@@ -10232,99 +10024,6 @@
           <a:p>
             <a:r>
               <a:rPr lang="en-US" dirty="0"/>
-              <a:t>UI Tier Code Coverage</a:t>
-            </a:r>
-          </a:p>
-        </p:txBody>
-      </p:sp>
-      <p:pic>
-        <p:nvPicPr>
-          <p:cNvPr id="5" name="Content Placeholder 4">
-            <a:extLst>
-              <a:ext uri="{FF2B5EF4-FFF2-40B4-BE49-F238E27FC236}">
-                <a16:creationId xmlns:a16="http://schemas.microsoft.com/office/drawing/2014/main" id="{F17C8F94-74D9-3541-80AD-6A4249B444CA}"/>
-              </a:ext>
-            </a:extLst>
-          </p:cNvPr>
-          <p:cNvPicPr>
-            <a:picLocks noGrp="1" noChangeAspect="1"/>
-          </p:cNvPicPr>
-          <p:nvPr>
-            <p:ph idx="1"/>
-          </p:nvPr>
-        </p:nvPicPr>
-        <p:blipFill>
-          <a:blip r:embed="rId2">
-            <a:extLst>
-              <a:ext uri="{28A0092B-C50C-407E-A947-70E740481C1C}">
-                <a14:useLocalDpi xmlns:a14="http://schemas.microsoft.com/office/drawing/2010/main" val="0"/>
-              </a:ext>
-            </a:extLst>
-          </a:blip>
-          <a:stretch>
-            <a:fillRect/>
-          </a:stretch>
-        </p:blipFill>
-        <p:spPr>
-          <a:xfrm>
-            <a:off x="562230" y="1270000"/>
-            <a:ext cx="8342284" cy="5938016"/>
-          </a:xfrm>
-        </p:spPr>
-      </p:pic>
-    </p:spTree>
-    <p:extLst>
-      <p:ext uri="{BB962C8B-B14F-4D97-AF65-F5344CB8AC3E}">
-        <p14:creationId xmlns:p14="http://schemas.microsoft.com/office/powerpoint/2010/main" val="3482902790"/>
-      </p:ext>
-    </p:extLst>
-  </p:cSld>
-  <p:clrMapOvr>
-    <a:masterClrMapping/>
-  </p:clrMapOvr>
-</p:sld>
-</file>
-
-<file path=ppt/slides/slide7.xml><?xml version="1.0" encoding="utf-8"?>
-<p:sld xmlns:a="http://schemas.openxmlformats.org/drawingml/2006/main" xmlns:r="http://schemas.openxmlformats.org/officeDocument/2006/relationships" xmlns:p="http://schemas.openxmlformats.org/presentationml/2006/main">
-  <p:cSld>
-    <p:spTree>
-      <p:nvGrpSpPr>
-        <p:cNvPr id="1" name=""/>
-        <p:cNvGrpSpPr/>
-        <p:nvPr/>
-      </p:nvGrpSpPr>
-      <p:grpSpPr>
-        <a:xfrm>
-          <a:off x="0" y="0"/>
-          <a:ext cx="0" cy="0"/>
-          <a:chOff x="0" y="0"/>
-          <a:chExt cx="0" cy="0"/>
-        </a:xfrm>
-      </p:grpSpPr>
-      <p:sp>
-        <p:nvSpPr>
-          <p:cNvPr id="2" name="Title 1">
-            <a:extLst>
-              <a:ext uri="{FF2B5EF4-FFF2-40B4-BE49-F238E27FC236}">
-                <a16:creationId xmlns:a16="http://schemas.microsoft.com/office/drawing/2014/main" id="{B6C1ACA1-70DB-4FC3-9036-7D29531EA391}"/>
-              </a:ext>
-            </a:extLst>
-          </p:cNvPr>
-          <p:cNvSpPr>
-            <a:spLocks noGrp="1"/>
-          </p:cNvSpPr>
-          <p:nvPr>
-            <p:ph type="title"/>
-          </p:nvPr>
-        </p:nvSpPr>
-        <p:spPr/>
-        <p:txBody>
-          <a:bodyPr/>
-          <a:lstStyle/>
-          <a:p>
-            <a:r>
-              <a:rPr lang="en-US" dirty="0"/>
               <a:t>Application Tier Code Coverage</a:t>
             </a:r>
           </a:p>
@@ -10378,6 +10077,101 @@
 </p:sld>
 </file>
 
+<file path=ppt/slides/slide7.xml><?xml version="1.0" encoding="utf-8"?>
+<p:sld xmlns:a="http://schemas.openxmlformats.org/drawingml/2006/main" xmlns:r="http://schemas.openxmlformats.org/officeDocument/2006/relationships" xmlns:p="http://schemas.openxmlformats.org/presentationml/2006/main">
+  <p:cSld>
+    <p:spTree>
+      <p:nvGrpSpPr>
+        <p:cNvPr id="1" name=""/>
+        <p:cNvGrpSpPr/>
+        <p:nvPr/>
+      </p:nvGrpSpPr>
+      <p:grpSpPr>
+        <a:xfrm>
+          <a:off x="0" y="0"/>
+          <a:ext cx="0" cy="0"/>
+          <a:chOff x="0" y="0"/>
+          <a:chExt cx="0" cy="0"/>
+        </a:xfrm>
+      </p:grpSpPr>
+      <p:sp>
+        <p:nvSpPr>
+          <p:cNvPr id="2" name="Title 1">
+            <a:extLst>
+              <a:ext uri="{FF2B5EF4-FFF2-40B4-BE49-F238E27FC236}">
+                <a16:creationId xmlns:a16="http://schemas.microsoft.com/office/drawing/2014/main" id="{CC10657D-0280-4088-8525-24F2DE4300AE}"/>
+              </a:ext>
+            </a:extLst>
+          </p:cNvPr>
+          <p:cNvSpPr>
+            <a:spLocks noGrp="1"/>
+          </p:cNvSpPr>
+          <p:nvPr>
+            <p:ph type="title"/>
+          </p:nvPr>
+        </p:nvSpPr>
+        <p:spPr/>
+        <p:txBody>
+          <a:bodyPr/>
+          <a:lstStyle/>
+          <a:p>
+            <a:r>
+              <a:rPr lang="en-US" dirty="0"/>
+              <a:t>Trello</a:t>
+            </a:r>
+          </a:p>
+        </p:txBody>
+      </p:sp>
+      <p:sp>
+        <p:nvSpPr>
+          <p:cNvPr id="3" name="Content Placeholder 2">
+            <a:extLst>
+              <a:ext uri="{FF2B5EF4-FFF2-40B4-BE49-F238E27FC236}">
+                <a16:creationId xmlns:a16="http://schemas.microsoft.com/office/drawing/2014/main" id="{F5EFB2C7-07F0-4CB6-8C91-90042B582EE8}"/>
+              </a:ext>
+            </a:extLst>
+          </p:cNvPr>
+          <p:cNvSpPr>
+            <a:spLocks noGrp="1"/>
+          </p:cNvSpPr>
+          <p:nvPr>
+            <p:ph idx="1"/>
+          </p:nvPr>
+        </p:nvSpPr>
+        <p:spPr/>
+        <p:txBody>
+          <a:bodyPr/>
+          <a:lstStyle/>
+          <a:p>
+            <a:r>
+              <a:rPr lang="en-US" dirty="0">
+                <a:hlinkClick r:id="rId2"/>
+              </a:rPr>
+              <a:t>https://trello.com/b/HYk4rzx8/webcheckers-project-team-c-crispycantaloupes</a:t>
+            </a:r>
+            <a:endParaRPr lang="en-US" dirty="0"/>
+          </a:p>
+          <a:p>
+            <a:pPr marL="0" indent="0">
+              <a:buNone/>
+            </a:pPr>
+            <a:endParaRPr lang="en-US" dirty="0"/>
+          </a:p>
+        </p:txBody>
+      </p:sp>
+    </p:spTree>
+    <p:extLst>
+      <p:ext uri="{BB962C8B-B14F-4D97-AF65-F5344CB8AC3E}">
+        <p14:creationId xmlns:p14="http://schemas.microsoft.com/office/powerpoint/2010/main" val="789859541"/>
+      </p:ext>
+    </p:extLst>
+  </p:cSld>
+  <p:clrMapOvr>
+    <a:masterClrMapping/>
+  </p:clrMapOvr>
+</p:sld>
+</file>
+
 <file path=ppt/slides/slide8.xml><?xml version="1.0" encoding="utf-8"?>
 <p:sld xmlns:a="http://schemas.openxmlformats.org/drawingml/2006/main" xmlns:r="http://schemas.openxmlformats.org/officeDocument/2006/relationships" xmlns:p="http://schemas.openxmlformats.org/presentationml/2006/main">
   <p:cSld>
@@ -10418,7 +10212,7 @@
           <a:p>
             <a:r>
               <a:rPr lang="en-US" dirty="0"/>
-              <a:t>Trello</a:t>
+              <a:t>Code line (GitHub)</a:t>
             </a:r>
           </a:p>
         </p:txBody>
@@ -10448,14 +10242,11 @@
               <a:rPr lang="en-US" dirty="0">
                 <a:hlinkClick r:id="rId2"/>
               </a:rPr>
-              <a:t>https://trello.com/b/HYk4rzx8/webcheckers-project-team-c-crispycantaloupes</a:t>
+              <a:t>https://github.com/RIT-SWEN-261-01/team-project-2175-swen-261-03-c-crispycantaloupes/network</a:t>
             </a:r>
             <a:endParaRPr lang="en-US" dirty="0"/>
           </a:p>
           <a:p>
-            <a:pPr marL="0" indent="0">
-              <a:buNone/>
-            </a:pPr>
             <a:endParaRPr lang="en-US" dirty="0"/>
           </a:p>
         </p:txBody>
@@ -10463,7 +10254,7 @@
     </p:spTree>
     <p:extLst>
       <p:ext uri="{BB962C8B-B14F-4D97-AF65-F5344CB8AC3E}">
-        <p14:creationId xmlns:p14="http://schemas.microsoft.com/office/powerpoint/2010/main" val="789859541"/>
+        <p14:creationId xmlns:p14="http://schemas.microsoft.com/office/powerpoint/2010/main" val="3572203612"/>
       </p:ext>
     </p:extLst>
   </p:cSld>
@@ -10495,7 +10286,7 @@
           <p:cNvPr id="2" name="Title 1">
             <a:extLst>
               <a:ext uri="{FF2B5EF4-FFF2-40B4-BE49-F238E27FC236}">
-                <a16:creationId xmlns:a16="http://schemas.microsoft.com/office/drawing/2014/main" id="{CC10657D-0280-4088-8525-24F2DE4300AE}"/>
+                <a16:creationId xmlns:a16="http://schemas.microsoft.com/office/drawing/2014/main" id="{82A24C56-F0E7-4C1F-B9F0-15E3A9A4C7DE}"/>
               </a:ext>
             </a:extLst>
           </p:cNvPr>
@@ -10506,14 +10297,26 @@
             <p:ph type="title"/>
           </p:nvPr>
         </p:nvSpPr>
-        <p:spPr/>
+        <p:spPr>
+          <a:xfrm>
+            <a:off x="517358" y="304800"/>
+            <a:ext cx="10515600" cy="1325563"/>
+          </a:xfrm>
+        </p:spPr>
         <p:txBody>
           <a:bodyPr/>
           <a:lstStyle/>
           <a:p>
             <a:r>
               <a:rPr lang="en-US" dirty="0"/>
-              <a:t>Code line (GitHub)</a:t>
+              <a:t>Team performance:</a:t>
+            </a:r>
+            <a:br>
+              <a:rPr lang="en-US" dirty="0"/>
+            </a:br>
+            <a:r>
+              <a:rPr lang="en-US" dirty="0"/>
+              <a:t>Norming out the kinks</a:t>
             </a:r>
           </a:p>
         </p:txBody>
@@ -10523,7 +10326,7 @@
           <p:cNvPr id="3" name="Content Placeholder 2">
             <a:extLst>
               <a:ext uri="{FF2B5EF4-FFF2-40B4-BE49-F238E27FC236}">
-                <a16:creationId xmlns:a16="http://schemas.microsoft.com/office/drawing/2014/main" id="{F5EFB2C7-07F0-4CB6-8C91-90042B582EE8}"/>
+                <a16:creationId xmlns:a16="http://schemas.microsoft.com/office/drawing/2014/main" id="{EABD3B3D-0FF1-49AD-91B7-331134F43619}"/>
               </a:ext>
             </a:extLst>
           </p:cNvPr>
@@ -10534,28 +10337,131 @@
             <p:ph idx="1"/>
           </p:nvPr>
         </p:nvSpPr>
-        <p:spPr/>
+        <p:spPr>
+          <a:xfrm>
+            <a:off x="517358" y="1630363"/>
+            <a:ext cx="10515600" cy="4351338"/>
+          </a:xfrm>
+        </p:spPr>
         <p:txBody>
           <a:bodyPr/>
           <a:lstStyle/>
           <a:p>
-            <a:r>
-              <a:rPr lang="en-US" dirty="0">
-                <a:hlinkClick r:id="rId2"/>
-              </a:rPr>
-              <a:t>https://github.com/RIT-SWEN-261-01/team-project-2175-swen-261-03-c-crispycantaloupes/network</a:t>
-            </a:r>
-            <a:endParaRPr lang="en-US" dirty="0"/>
-          </a:p>
-          <a:p>
-            <a:endParaRPr lang="en-US" dirty="0"/>
-          </a:p>
-        </p:txBody>
-      </p:sp>
+            <a:pPr marL="0" indent="0">
+              <a:buNone/>
+            </a:pPr>
+            <a:r>
+              <a:rPr lang="en-US" dirty="0"/>
+              <a:t>We believe that we have come much</a:t>
+            </a:r>
+          </a:p>
+          <a:p>
+            <a:pPr marL="0" indent="0">
+              <a:buNone/>
+            </a:pPr>
+            <a:r>
+              <a:rPr lang="en-US" dirty="0"/>
+              <a:t>further from where we initially began</a:t>
+            </a:r>
+          </a:p>
+          <a:p>
+            <a:pPr marL="0" indent="0">
+              <a:buNone/>
+            </a:pPr>
+            <a:r>
+              <a:rPr lang="en-US" dirty="0"/>
+              <a:t>and now are able to problem solve </a:t>
+            </a:r>
+          </a:p>
+          <a:p>
+            <a:pPr marL="0" indent="0">
+              <a:buNone/>
+            </a:pPr>
+            <a:r>
+              <a:rPr lang="en-US" dirty="0"/>
+              <a:t>and find a way to complement each other rather </a:t>
+            </a:r>
+          </a:p>
+          <a:p>
+            <a:pPr marL="0" indent="0">
+              <a:buNone/>
+            </a:pPr>
+            <a:r>
+              <a:rPr lang="en-US" dirty="0"/>
+              <a:t>than counteract each other’s decisions.  We have established a smooth road</a:t>
+            </a:r>
+          </a:p>
+          <a:p>
+            <a:pPr marL="0" indent="0">
+              <a:buNone/>
+            </a:pPr>
+            <a:r>
+              <a:rPr lang="en-US" dirty="0"/>
+              <a:t>of understanding and acceptance of the team dynamics and know how</a:t>
+            </a:r>
+          </a:p>
+          <a:p>
+            <a:pPr marL="0" indent="0">
+              <a:buNone/>
+            </a:pPr>
+            <a:r>
+              <a:rPr lang="en-US" dirty="0"/>
+              <a:t>to work around the kinks.</a:t>
+            </a:r>
+          </a:p>
+        </p:txBody>
+      </p:sp>
+      <p:pic>
+        <p:nvPicPr>
+          <p:cNvPr id="1026" name="Picture 2" descr="2017-05-23_Form-Storm-Norm-Perform_04_norming_r01.png">
+            <a:extLst>
+              <a:ext uri="{FF2B5EF4-FFF2-40B4-BE49-F238E27FC236}">
+                <a16:creationId xmlns:a16="http://schemas.microsoft.com/office/drawing/2014/main" id="{474F9B43-D310-4B32-8FCE-FE26D42AB402}"/>
+              </a:ext>
+            </a:extLst>
+          </p:cNvPr>
+          <p:cNvPicPr>
+            <a:picLocks noChangeAspect="1" noChangeArrowheads="1"/>
+          </p:cNvPicPr>
+          <p:nvPr/>
+        </p:nvPicPr>
+        <p:blipFill>
+          <a:blip r:embed="rId2">
+            <a:extLst>
+              <a:ext uri="{28A0092B-C50C-407E-A947-70E740481C1C}">
+                <a14:useLocalDpi xmlns:a14="http://schemas.microsoft.com/office/drawing/2010/main" val="0"/>
+              </a:ext>
+            </a:extLst>
+          </a:blip>
+          <a:srcRect/>
+          <a:stretch>
+            <a:fillRect/>
+          </a:stretch>
+        </p:blipFill>
+        <p:spPr bwMode="auto">
+          <a:xfrm>
+            <a:off x="6088380" y="0"/>
+            <a:ext cx="6172200" cy="3086100"/>
+          </a:xfrm>
+          <a:prstGeom prst="rect">
+            <a:avLst/>
+          </a:prstGeom>
+          <a:noFill/>
+          <a:extLst>
+            <a:ext uri="{909E8E84-426E-40DD-AFC4-6F175D3DCCD1}">
+              <a14:hiddenFill xmlns:a14="http://schemas.microsoft.com/office/drawing/2010/main">
+                <a:solidFill>
+                  <a:srgbClr val="FFFFFF"/>
+                </a:solidFill>
+              </a14:hiddenFill>
+            </a:ext>
+          </a:extLst>
+        </p:spPr>
+      </p:pic>
     </p:spTree>
     <p:extLst>
       <p:ext uri="{BB962C8B-B14F-4D97-AF65-F5344CB8AC3E}">
-        <p14:creationId xmlns:p14="http://schemas.microsoft.com/office/powerpoint/2010/main" val="3572203612"/>
+        <p14:creationId xmlns:p14="http://schemas.microsoft.com/office/powerpoint/2010/main" val="988454024"/>
       </p:ext>
     </p:extLst>
   </p:cSld>
